--- a/PowerPoint/Recipe Search App.pptx
+++ b/PowerPoint/Recipe Search App.pptx
@@ -247,6 +247,11 @@
       </a:defRPr>
     </a:lvl9pPr>
   </p:defaultTextStyle>
+  <p:extLst>
+    <p:ext uri="{EFAFB233-063F-42B5-8137-9DF3F51BA10A}">
+      <p15:sldGuideLst xmlns:p15="http://schemas.microsoft.com/office/powerpoint/2012/main"/>
+    </p:ext>
+  </p:extLst>
 </p:presentation>
 </file>
 
@@ -6235,7 +6240,7 @@
             </a:pPr>
             <a:r>
               <a:rPr lang="en" dirty="0"/>
-              <a:t>Recipe Search</a:t>
+              <a:t>Recipe Search App</a:t>
             </a:r>
             <a:endParaRPr dirty="0"/>
           </a:p>
@@ -6292,8 +6297,8 @@
         </p:nvSpPr>
         <p:spPr>
           <a:xfrm>
-            <a:off x="519545" y="2677322"/>
-            <a:ext cx="8084128" cy="841800"/>
+            <a:off x="780287" y="1872650"/>
+            <a:ext cx="2779777" cy="841800"/>
           </a:xfrm>
           <a:prstGeom prst="rect">
             <a:avLst/>
@@ -6316,9 +6321,44 @@
             </a:pPr>
             <a:r>
               <a:rPr lang="en" dirty="0"/>
-              <a:t>Elevator pitch</a:t>
+              <a:t>Summary</a:t>
             </a:r>
             <a:endParaRPr dirty="0"/>
+          </a:p>
+        </p:txBody>
+      </p:sp>
+      <p:sp>
+        <p:nvSpPr>
+          <p:cNvPr id="2" name="TextBox 1">
+            <a:extLst>
+              <a:ext uri="{FF2B5EF4-FFF2-40B4-BE49-F238E27FC236}">
+                <a16:creationId xmlns:a16="http://schemas.microsoft.com/office/drawing/2014/main" id="{1C596DD8-5D1D-4C74-AD6B-FCCA79B3C34D}"/>
+              </a:ext>
+            </a:extLst>
+          </p:cNvPr>
+          <p:cNvSpPr txBox="1"/>
+          <p:nvPr/>
+        </p:nvSpPr>
+        <p:spPr>
+          <a:xfrm>
+            <a:off x="1389888" y="2714450"/>
+            <a:ext cx="6693408" cy="1631216"/>
+          </a:xfrm>
+          <a:prstGeom prst="rect">
+            <a:avLst/>
+          </a:prstGeom>
+          <a:noFill/>
+        </p:spPr>
+        <p:txBody>
+          <a:bodyPr wrap="square" rtlCol="0">
+            <a:spAutoFit/>
+          </a:bodyPr>
+          <a:lstStyle/>
+          <a:p>
+            <a:r>
+              <a:rPr lang="en-US" sz="2000" dirty="0"/>
+              <a:t>Have you ever wanted to find a new recipe and didn’t know where to start? What if you could enter an ingredient and get suggestions? This app will allow you to enter an ingredient and get ideas as well as nutritional facts for each ingredient as well as the full recipe.</a:t>
+            </a:r>
           </a:p>
         </p:txBody>
       </p:sp>
@@ -6442,7 +6482,12 @@
               <a:rPr lang="en" dirty="0"/>
               <a:t>This is a website that allows users to enter a type of food and get multiple recipes back.</a:t>
             </a:r>
-            <a:endParaRPr dirty="0"/>
+          </a:p>
+          <a:p>
+            <a:r>
+              <a:rPr lang="en-US" dirty="0"/>
+              <a:t>AS a home cook, I WANT to find recipes, SO THAT I can try new dishes.</a:t>
+            </a:r>
           </a:p>
           <a:p>
             <a:pPr marL="457200" lvl="0" indent="-342900" algn="l" rtl="0">
@@ -6456,27 +6501,9 @@
               <a:buChar char="●"/>
             </a:pPr>
             <a:r>
-              <a:rPr lang="en" dirty="0"/>
-              <a:t>We all like to cook and enjoy food</a:t>
+              <a:rPr lang="en-US" dirty="0"/>
+              <a:t>GIVEN I cook at home, WHEN I search an ingredient, THEN I get recipes</a:t>
             </a:r>
-            <a:endParaRPr dirty="0"/>
-          </a:p>
-          <a:p>
-            <a:pPr marL="457200" lvl="0" indent="-342900" algn="l" rtl="0">
-              <a:spcBef>
-                <a:spcPts val="0"/>
-              </a:spcBef>
-              <a:spcAft>
-                <a:spcPts val="0"/>
-              </a:spcAft>
-              <a:buSzPts val="1800"/>
-              <a:buChar char="●"/>
-            </a:pPr>
-            <a:r>
-              <a:rPr lang="en" dirty="0"/>
-              <a:t>AS a home cook, I WANT to find recipes, SO THAT I can try new dishes.</a:t>
-            </a:r>
-            <a:endParaRPr dirty="0"/>
           </a:p>
         </p:txBody>
       </p:sp>
@@ -6531,7 +6558,7 @@
         </p:nvSpPr>
         <p:spPr>
           <a:xfrm>
-            <a:off x="311700" y="445025"/>
+            <a:off x="623400" y="1999050"/>
             <a:ext cx="8520600" cy="572700"/>
           </a:xfrm>
           <a:prstGeom prst="rect">
@@ -6554,10 +6581,10 @@
               <a:buNone/>
             </a:pPr>
             <a:r>
-              <a:rPr lang="en"/>
+              <a:rPr lang="en" dirty="0"/>
               <a:t>Process</a:t>
             </a:r>
-            <a:endParaRPr/>
+            <a:endParaRPr dirty="0"/>
           </a:p>
         </p:txBody>
       </p:sp>
@@ -6573,8 +6600,8 @@
         </p:nvSpPr>
         <p:spPr>
           <a:xfrm>
-            <a:off x="311700" y="1152475"/>
-            <a:ext cx="8520600" cy="3416400"/>
+            <a:off x="623400" y="2571750"/>
+            <a:ext cx="7897200" cy="1529765"/>
           </a:xfrm>
           <a:prstGeom prst="rect">
             <a:avLst/>
@@ -6598,7 +6625,15 @@
             </a:pPr>
             <a:r>
               <a:rPr lang="en" dirty="0"/>
-              <a:t>Technologies used</a:t>
+              <a:t>Semantic UI, Edamam recipe search API and Nutrional Search API, J</a:t>
+            </a:r>
+            <a:r>
+              <a:rPr lang="en-US" dirty="0"/>
+              <a:t>q</a:t>
+            </a:r>
+            <a:r>
+              <a:rPr lang="en" dirty="0"/>
+              <a:t>uery, JavaScript, HTML, CSS.</a:t>
             </a:r>
             <a:endParaRPr dirty="0"/>
           </a:p>
@@ -6614,8 +6649,8 @@
               <a:buChar char="●"/>
             </a:pPr>
             <a:r>
-              <a:rPr lang="en" dirty="0"/>
-              <a:t>Breakdown of tasks and roles</a:t>
+              <a:rPr lang="en-US" dirty="0"/>
+              <a:t>Homepage – Sandeep, Recipe Page – Cheri, Modals - Chad</a:t>
             </a:r>
             <a:endParaRPr dirty="0"/>
           </a:p>
@@ -6632,7 +6667,7 @@
             </a:pPr>
             <a:r>
               <a:rPr lang="en" dirty="0"/>
-              <a:t>Challenges</a:t>
+              <a:t>Trying to connect the two pages, API usage, GITHUB issues.</a:t>
             </a:r>
             <a:endParaRPr dirty="0"/>
           </a:p>
@@ -6649,7 +6684,7 @@
             </a:pPr>
             <a:r>
               <a:rPr lang="en" dirty="0"/>
-              <a:t>Successes</a:t>
+              <a:t>Getting the APIs to function correctly, correcting the GITHUB issues and making the two pages work together.</a:t>
             </a:r>
             <a:endParaRPr dirty="0"/>
           </a:p>
@@ -6787,7 +6822,7 @@
         </p:nvSpPr>
         <p:spPr>
           <a:xfrm>
-            <a:off x="311700" y="445025"/>
+            <a:off x="799380" y="1884319"/>
             <a:ext cx="8520600" cy="572700"/>
           </a:xfrm>
           <a:prstGeom prst="rect">
@@ -6810,10 +6845,10 @@
               <a:buNone/>
             </a:pPr>
             <a:r>
-              <a:rPr lang="en"/>
+              <a:rPr lang="en" dirty="0"/>
               <a:t>Directions for Future Development</a:t>
             </a:r>
-            <a:endParaRPr/>
+            <a:endParaRPr dirty="0"/>
           </a:p>
         </p:txBody>
       </p:sp>
@@ -6829,8 +6864,8 @@
         </p:nvSpPr>
         <p:spPr>
           <a:xfrm>
-            <a:off x="311700" y="1152475"/>
-            <a:ext cx="8520600" cy="3416400"/>
+            <a:off x="799380" y="2457019"/>
+            <a:ext cx="6796236" cy="1700453"/>
           </a:xfrm>
           <a:prstGeom prst="rect">
             <a:avLst/>
@@ -6861,6 +6896,17 @@
             <a:r>
               <a:rPr lang="en-US" dirty="0"/>
               <a:t>Add page implementation to search results</a:t>
+            </a:r>
+          </a:p>
+          <a:p>
+            <a:pPr marL="285750" indent="-285750">
+              <a:spcAft>
+                <a:spcPts val="1600"/>
+              </a:spcAft>
+            </a:pPr>
+            <a:r>
+              <a:rPr lang="en-US" dirty="0"/>
+              <a:t>Creating a favorite list</a:t>
             </a:r>
             <a:endParaRPr dirty="0"/>
           </a:p>
@@ -6917,7 +6963,7 @@
         </p:nvSpPr>
         <p:spPr>
           <a:xfrm>
-            <a:off x="311700" y="445025"/>
+            <a:off x="531156" y="2140351"/>
             <a:ext cx="8520600" cy="572700"/>
           </a:xfrm>
           <a:prstGeom prst="rect">
@@ -6940,10 +6986,10 @@
               <a:buNone/>
             </a:pPr>
             <a:r>
-              <a:rPr lang="en"/>
+              <a:rPr lang="en" dirty="0"/>
               <a:t>Links</a:t>
             </a:r>
-            <a:endParaRPr/>
+            <a:endParaRPr dirty="0"/>
           </a:p>
         </p:txBody>
       </p:sp>
@@ -6959,8 +7005,8 @@
         </p:nvSpPr>
         <p:spPr>
           <a:xfrm>
-            <a:off x="311700" y="1152475"/>
-            <a:ext cx="8520600" cy="3416400"/>
+            <a:off x="531156" y="2713051"/>
+            <a:ext cx="7722828" cy="1224965"/>
           </a:xfrm>
           <a:prstGeom prst="rect">
             <a:avLst/>

--- a/PowerPoint/Recipe Search App.pptx
+++ b/PowerPoint/Recipe Search App.pptx
@@ -6479,13 +6479,21 @@
               <a:buChar char="●"/>
             </a:pPr>
             <a:r>
-              <a:rPr lang="en" dirty="0"/>
+              <a:rPr lang="en" dirty="0">
+                <a:solidFill>
+                  <a:schemeClr val="tx1"/>
+                </a:solidFill>
+              </a:rPr>
               <a:t>This is a website that allows users to enter a type of food and get multiple recipes back.</a:t>
             </a:r>
           </a:p>
           <a:p>
             <a:r>
-              <a:rPr lang="en-US" dirty="0"/>
+              <a:rPr lang="en-US" dirty="0">
+                <a:solidFill>
+                  <a:schemeClr val="tx1"/>
+                </a:solidFill>
+              </a:rPr>
               <a:t>AS a home cook, I WANT to find recipes, SO THAT I can try new dishes.</a:t>
             </a:r>
           </a:p>
@@ -6501,7 +6509,11 @@
               <a:buChar char="●"/>
             </a:pPr>
             <a:r>
-              <a:rPr lang="en-US" dirty="0"/>
+              <a:rPr lang="en-US" dirty="0">
+                <a:solidFill>
+                  <a:schemeClr val="tx1"/>
+                </a:solidFill>
+              </a:rPr>
               <a:t>GIVEN I cook at home, WHEN I search an ingredient, THEN I get recipes</a:t>
             </a:r>
           </a:p>
@@ -6624,18 +6636,34 @@
               <a:buChar char="●"/>
             </a:pPr>
             <a:r>
-              <a:rPr lang="en" dirty="0"/>
+              <a:rPr lang="en" dirty="0">
+                <a:solidFill>
+                  <a:schemeClr val="tx1"/>
+                </a:solidFill>
+              </a:rPr>
               <a:t>Semantic UI, Edamam recipe search API and Nutrional Search API, J</a:t>
             </a:r>
             <a:r>
-              <a:rPr lang="en-US" dirty="0"/>
+              <a:rPr lang="en-US" dirty="0">
+                <a:solidFill>
+                  <a:schemeClr val="tx1"/>
+                </a:solidFill>
+              </a:rPr>
               <a:t>q</a:t>
             </a:r>
             <a:r>
-              <a:rPr lang="en" dirty="0"/>
+              <a:rPr lang="en" dirty="0">
+                <a:solidFill>
+                  <a:schemeClr val="tx1"/>
+                </a:solidFill>
+              </a:rPr>
               <a:t>uery, JavaScript, HTML, CSS.</a:t>
             </a:r>
-            <a:endParaRPr dirty="0"/>
+            <a:endParaRPr dirty="0">
+              <a:solidFill>
+                <a:schemeClr val="tx1"/>
+              </a:solidFill>
+            </a:endParaRPr>
           </a:p>
           <a:p>
             <a:pPr marL="457200" lvl="0" indent="-342900" algn="l" rtl="0">
@@ -6649,10 +6677,18 @@
               <a:buChar char="●"/>
             </a:pPr>
             <a:r>
-              <a:rPr lang="en-US" dirty="0"/>
+              <a:rPr lang="en-US" dirty="0">
+                <a:solidFill>
+                  <a:schemeClr val="tx1"/>
+                </a:solidFill>
+              </a:rPr>
               <a:t>Homepage – Sandeep, Recipe Page – Cheri, Modals - Chad</a:t>
             </a:r>
-            <a:endParaRPr dirty="0"/>
+            <a:endParaRPr dirty="0">
+              <a:solidFill>
+                <a:schemeClr val="tx1"/>
+              </a:solidFill>
+            </a:endParaRPr>
           </a:p>
           <a:p>
             <a:pPr marL="457200" lvl="0" indent="-342900" algn="l" rtl="0">
@@ -6666,10 +6702,18 @@
               <a:buChar char="●"/>
             </a:pPr>
             <a:r>
-              <a:rPr lang="en" dirty="0"/>
+              <a:rPr lang="en" dirty="0">
+                <a:solidFill>
+                  <a:schemeClr val="tx1"/>
+                </a:solidFill>
+              </a:rPr>
               <a:t>Trying to connect the two pages, API usage, GITHUB issues.</a:t>
             </a:r>
-            <a:endParaRPr dirty="0"/>
+            <a:endParaRPr dirty="0">
+              <a:solidFill>
+                <a:schemeClr val="tx1"/>
+              </a:solidFill>
+            </a:endParaRPr>
           </a:p>
           <a:p>
             <a:pPr marL="457200" lvl="0" indent="-342900" algn="l" rtl="0">
@@ -6683,10 +6727,18 @@
               <a:buChar char="●"/>
             </a:pPr>
             <a:r>
-              <a:rPr lang="en" dirty="0"/>
+              <a:rPr lang="en" dirty="0">
+                <a:solidFill>
+                  <a:schemeClr val="tx1"/>
+                </a:solidFill>
+              </a:rPr>
               <a:t>Getting the APIs to function correctly, correcting the GITHUB issues and making the two pages work together.</a:t>
             </a:r>
-            <a:endParaRPr dirty="0"/>
+            <a:endParaRPr dirty="0">
+              <a:solidFill>
+                <a:schemeClr val="tx1"/>
+              </a:solidFill>
+            </a:endParaRPr>
           </a:p>
         </p:txBody>
       </p:sp>
@@ -6883,7 +6935,11 @@
               </a:spcAft>
             </a:pPr>
             <a:r>
-              <a:rPr lang="en-US" dirty="0"/>
+              <a:rPr lang="en-US" dirty="0">
+                <a:solidFill>
+                  <a:schemeClr val="tx1"/>
+                </a:solidFill>
+              </a:rPr>
               <a:t>Add option for random search</a:t>
             </a:r>
           </a:p>
@@ -6894,7 +6950,11 @@
               </a:spcAft>
             </a:pPr>
             <a:r>
-              <a:rPr lang="en-US" dirty="0"/>
+              <a:rPr lang="en-US" dirty="0">
+                <a:solidFill>
+                  <a:schemeClr val="tx1"/>
+                </a:solidFill>
+              </a:rPr>
               <a:t>Add page implementation to search results</a:t>
             </a:r>
           </a:p>
@@ -6905,10 +6965,18 @@
               </a:spcAft>
             </a:pPr>
             <a:r>
-              <a:rPr lang="en-US" dirty="0"/>
+              <a:rPr lang="en-US" dirty="0">
+                <a:solidFill>
+                  <a:schemeClr val="tx1"/>
+                </a:solidFill>
+              </a:rPr>
               <a:t>Creating a favorite list</a:t>
             </a:r>
-            <a:endParaRPr dirty="0"/>
+            <a:endParaRPr dirty="0">
+              <a:solidFill>
+                <a:schemeClr val="tx1"/>
+              </a:solidFill>
+            </a:endParaRPr>
           </a:p>
         </p:txBody>
       </p:sp>
